--- a/reports and presentations/data exploration.pptx
+++ b/reports and presentations/data exploration.pptx
@@ -108,13 +108,18 @@
       </a:defRPr>
     </a:lvl9pPr>
   </p:defaultTextStyle>
+  <p:extLst>
+    <p:ext uri="{EFAFB233-063F-42B5-8137-9DF3F51BA10A}">
+      <p15:sldGuideLst xmlns:p15="http://schemas.microsoft.com/office/powerpoint/2012/main"/>
+    </p:ext>
+  </p:extLst>
 </p:presentation>
 </file>
 
 <file path=ppt/revisionInfo.xml><?xml version="1.0" encoding="utf-8"?>
 <p1510:revInfo xmlns:a="http://schemas.openxmlformats.org/drawingml/2006/main" xmlns:r="http://schemas.openxmlformats.org/officeDocument/2006/relationships" xmlns:p1510="http://schemas.microsoft.com/office/powerpoint/2015/10/main">
   <p1510:revLst>
-    <p1510:client id="{C02603FF-FFD6-4CAE-BFFE-18D41DADF6AD}" v="12" dt="2023-11-10T01:04:27.726"/>
+    <p1510:client id="{C02603FF-FFD6-4CAE-BFFE-18D41DADF6AD}" v="14" dt="2023-11-10T01:16:13.634"/>
   </p1510:revLst>
 </p1510:revInfo>
 </file>
@@ -124,7 +129,7 @@
   <pc:docChgLst>
     <pc:chgData name="Talis Tebecis" userId="0b56c13e46b6a80f" providerId="LiveId" clId="{C02603FF-FFD6-4CAE-BFFE-18D41DADF6AD}"/>
     <pc:docChg chg="custSel addSld delSld modSld sldOrd">
-      <pc:chgData name="Talis Tebecis" userId="0b56c13e46b6a80f" providerId="LiveId" clId="{C02603FF-FFD6-4CAE-BFFE-18D41DADF6AD}" dt="2023-11-10T01:09:46.682" v="1764" actId="1076"/>
+      <pc:chgData name="Talis Tebecis" userId="0b56c13e46b6a80f" providerId="LiveId" clId="{C02603FF-FFD6-4CAE-BFFE-18D41DADF6AD}" dt="2023-11-10T01:16:15.521" v="2100" actId="6549"/>
       <pc:docMkLst>
         <pc:docMk/>
       </pc:docMkLst>
@@ -189,13 +194,13 @@
         </pc:sldMkLst>
       </pc:sldChg>
       <pc:sldChg chg="addSp delSp modSp add mod ord">
-        <pc:chgData name="Talis Tebecis" userId="0b56c13e46b6a80f" providerId="LiveId" clId="{C02603FF-FFD6-4CAE-BFFE-18D41DADF6AD}" dt="2023-11-10T01:04:03.576" v="1253"/>
+        <pc:chgData name="Talis Tebecis" userId="0b56c13e46b6a80f" providerId="LiveId" clId="{C02603FF-FFD6-4CAE-BFFE-18D41DADF6AD}" dt="2023-11-10T01:16:15.521" v="2100" actId="6549"/>
         <pc:sldMkLst>
           <pc:docMk/>
           <pc:sldMk cId="4076474008" sldId="259"/>
         </pc:sldMkLst>
         <pc:spChg chg="mod">
-          <ac:chgData name="Talis Tebecis" userId="0b56c13e46b6a80f" providerId="LiveId" clId="{C02603FF-FFD6-4CAE-BFFE-18D41DADF6AD}" dt="2023-11-10T01:01:15.080" v="970" actId="20577"/>
+          <ac:chgData name="Talis Tebecis" userId="0b56c13e46b6a80f" providerId="LiveId" clId="{C02603FF-FFD6-4CAE-BFFE-18D41DADF6AD}" dt="2023-11-10T01:13:57.776" v="1780" actId="20577"/>
           <ac:spMkLst>
             <pc:docMk/>
             <pc:sldMk cId="4076474008" sldId="259"/>
@@ -210,8 +215,16 @@
             <ac:spMk id="3" creationId="{F498B809-7DC1-CC41-C881-1CF27226435A}"/>
           </ac:spMkLst>
         </pc:spChg>
+        <pc:spChg chg="add mod">
+          <ac:chgData name="Talis Tebecis" userId="0b56c13e46b6a80f" providerId="LiveId" clId="{C02603FF-FFD6-4CAE-BFFE-18D41DADF6AD}" dt="2023-11-10T01:16:15.521" v="2100" actId="6549"/>
+          <ac:spMkLst>
+            <pc:docMk/>
+            <pc:sldMk cId="4076474008" sldId="259"/>
+            <ac:spMk id="5" creationId="{95B3DEC7-D924-F709-C7AF-D414629BB325}"/>
+          </ac:spMkLst>
+        </pc:spChg>
         <pc:graphicFrameChg chg="add mod modGraphic">
-          <ac:chgData name="Talis Tebecis" userId="0b56c13e46b6a80f" providerId="LiveId" clId="{C02603FF-FFD6-4CAE-BFFE-18D41DADF6AD}" dt="2023-11-10T01:04:03.576" v="1253"/>
+          <ac:chgData name="Talis Tebecis" userId="0b56c13e46b6a80f" providerId="LiveId" clId="{C02603FF-FFD6-4CAE-BFFE-18D41DADF6AD}" dt="2023-11-10T01:13:46.990" v="1765" actId="14100"/>
           <ac:graphicFrameMkLst>
             <pc:docMk/>
             <pc:sldMk cId="4076474008" sldId="259"/>
@@ -3801,7 +3814,7 @@
               <a:rPr lang="en-AU" sz="2000" b="1" dirty="0">
                 <a:latin typeface="Montserrat" panose="00000500000000000000" pitchFamily="2" charset="0"/>
               </a:rPr>
-              <a:t>Samples</a:t>
+              <a:t>Approach</a:t>
             </a:r>
           </a:p>
         </p:txBody>
@@ -3864,14 +3877,14 @@
           <p:nvPr>
             <p:extLst>
               <p:ext uri="{D42A27DB-BD31-4B8C-83A1-F6EECF244321}">
-                <p14:modId xmlns:p14="http://schemas.microsoft.com/office/powerpoint/2010/main" val="2431357826"/>
+                <p14:modId xmlns:p14="http://schemas.microsoft.com/office/powerpoint/2010/main" val="692246533"/>
               </p:ext>
             </p:extLst>
           </p:nvPr>
         </p:nvGraphicFramePr>
         <p:xfrm>
           <a:off x="838201" y="1304924"/>
-          <a:ext cx="10515597" cy="4352924"/>
+          <a:ext cx="10515597" cy="2686512"/>
         </p:xfrm>
         <a:graphic>
           <a:graphicData uri="http://schemas.openxmlformats.org/drawingml/2006/table">
@@ -3902,7 +3915,7 @@
                   </a:extLst>
                 </a:gridCol>
               </a:tblGrid>
-              <a:tr h="487367">
+              <a:tr h="272815">
                 <a:tc>
                   <a:txBody>
                     <a:bodyPr/>
@@ -3973,7 +3986,7 @@
                   </a:ext>
                 </a:extLst>
               </a:tr>
-              <a:tr h="487367">
+              <a:tr h="272815">
                 <a:tc>
                   <a:txBody>
                     <a:bodyPr/>
@@ -4025,7 +4038,7 @@
                   </a:ext>
                 </a:extLst>
               </a:tr>
-              <a:tr h="487367">
+              <a:tr h="272815">
                 <a:tc>
                   <a:txBody>
                     <a:bodyPr/>
@@ -4077,7 +4090,7 @@
                   </a:ext>
                 </a:extLst>
               </a:tr>
-              <a:tr h="487367">
+              <a:tr h="272815">
                 <a:tc>
                   <a:txBody>
                     <a:bodyPr/>
@@ -4129,7 +4142,7 @@
                   </a:ext>
                 </a:extLst>
               </a:tr>
-              <a:tr h="1201728">
+              <a:tr h="672696">
                 <a:tc>
                   <a:txBody>
                     <a:bodyPr/>
@@ -4198,7 +4211,7 @@
                   </a:ext>
                 </a:extLst>
               </a:tr>
-              <a:tr h="1201728">
+              <a:tr h="672696">
                 <a:tc>
                   <a:txBody>
                     <a:bodyPr/>
@@ -4288,6 +4301,253 @@
           </a:graphicData>
         </a:graphic>
       </p:graphicFrame>
+      <p:sp>
+        <p:nvSpPr>
+          <p:cNvPr id="5" name="Content Placeholder 2">
+            <a:extLst>
+              <a:ext uri="{FF2B5EF4-FFF2-40B4-BE49-F238E27FC236}">
+                <a16:creationId xmlns:a16="http://schemas.microsoft.com/office/drawing/2014/main" id="{95B3DEC7-D924-F709-C7AF-D414629BB325}"/>
+              </a:ext>
+            </a:extLst>
+          </p:cNvPr>
+          <p:cNvSpPr txBox="1">
+            <a:spLocks/>
+          </p:cNvSpPr>
+          <p:nvPr/>
+        </p:nvSpPr>
+        <p:spPr>
+          <a:xfrm>
+            <a:off x="838200" y="4215688"/>
+            <a:ext cx="10515600" cy="2007830"/>
+          </a:xfrm>
+          <a:prstGeom prst="rect">
+            <a:avLst/>
+          </a:prstGeom>
+        </p:spPr>
+        <p:txBody>
+          <a:bodyPr vert="horz" lIns="91440" tIns="45720" rIns="91440" bIns="45720" rtlCol="0">
+            <a:normAutofit/>
+          </a:bodyPr>
+          <a:lstStyle>
+            <a:lvl1pPr marL="228600" indent="-228600" algn="l" defTabSz="914400" rtl="0" eaLnBrk="1" latinLnBrk="0" hangingPunct="1">
+              <a:lnSpc>
+                <a:spcPct val="90000"/>
+              </a:lnSpc>
+              <a:spcBef>
+                <a:spcPts val="1000"/>
+              </a:spcBef>
+              <a:buFont typeface="Arial" panose="020B0604020202020204" pitchFamily="34" charset="0"/>
+              <a:buChar char="•"/>
+              <a:defRPr sz="2800" kern="1200">
+                <a:solidFill>
+                  <a:schemeClr val="tx1"/>
+                </a:solidFill>
+                <a:latin typeface="+mn-lt"/>
+                <a:ea typeface="+mn-ea"/>
+                <a:cs typeface="+mn-cs"/>
+              </a:defRPr>
+            </a:lvl1pPr>
+            <a:lvl2pPr marL="685800" indent="-228600" algn="l" defTabSz="914400" rtl="0" eaLnBrk="1" latinLnBrk="0" hangingPunct="1">
+              <a:lnSpc>
+                <a:spcPct val="90000"/>
+              </a:lnSpc>
+              <a:spcBef>
+                <a:spcPts val="500"/>
+              </a:spcBef>
+              <a:buFont typeface="Arial" panose="020B0604020202020204" pitchFamily="34" charset="0"/>
+              <a:buChar char="•"/>
+              <a:defRPr sz="2400" kern="1200">
+                <a:solidFill>
+                  <a:schemeClr val="tx1"/>
+                </a:solidFill>
+                <a:latin typeface="+mn-lt"/>
+                <a:ea typeface="+mn-ea"/>
+                <a:cs typeface="+mn-cs"/>
+              </a:defRPr>
+            </a:lvl2pPr>
+            <a:lvl3pPr marL="1143000" indent="-228600" algn="l" defTabSz="914400" rtl="0" eaLnBrk="1" latinLnBrk="0" hangingPunct="1">
+              <a:lnSpc>
+                <a:spcPct val="90000"/>
+              </a:lnSpc>
+              <a:spcBef>
+                <a:spcPts val="500"/>
+              </a:spcBef>
+              <a:buFont typeface="Arial" panose="020B0604020202020204" pitchFamily="34" charset="0"/>
+              <a:buChar char="•"/>
+              <a:defRPr sz="2000" kern="1200">
+                <a:solidFill>
+                  <a:schemeClr val="tx1"/>
+                </a:solidFill>
+                <a:latin typeface="+mn-lt"/>
+                <a:ea typeface="+mn-ea"/>
+                <a:cs typeface="+mn-cs"/>
+              </a:defRPr>
+            </a:lvl3pPr>
+            <a:lvl4pPr marL="1600200" indent="-228600" algn="l" defTabSz="914400" rtl="0" eaLnBrk="1" latinLnBrk="0" hangingPunct="1">
+              <a:lnSpc>
+                <a:spcPct val="90000"/>
+              </a:lnSpc>
+              <a:spcBef>
+                <a:spcPts val="500"/>
+              </a:spcBef>
+              <a:buFont typeface="Arial" panose="020B0604020202020204" pitchFamily="34" charset="0"/>
+              <a:buChar char="•"/>
+              <a:defRPr sz="1800" kern="1200">
+                <a:solidFill>
+                  <a:schemeClr val="tx1"/>
+                </a:solidFill>
+                <a:latin typeface="+mn-lt"/>
+                <a:ea typeface="+mn-ea"/>
+                <a:cs typeface="+mn-cs"/>
+              </a:defRPr>
+            </a:lvl4pPr>
+            <a:lvl5pPr marL="2057400" indent="-228600" algn="l" defTabSz="914400" rtl="0" eaLnBrk="1" latinLnBrk="0" hangingPunct="1">
+              <a:lnSpc>
+                <a:spcPct val="90000"/>
+              </a:lnSpc>
+              <a:spcBef>
+                <a:spcPts val="500"/>
+              </a:spcBef>
+              <a:buFont typeface="Arial" panose="020B0604020202020204" pitchFamily="34" charset="0"/>
+              <a:buChar char="•"/>
+              <a:defRPr sz="1800" kern="1200">
+                <a:solidFill>
+                  <a:schemeClr val="tx1"/>
+                </a:solidFill>
+                <a:latin typeface="+mn-lt"/>
+                <a:ea typeface="+mn-ea"/>
+                <a:cs typeface="+mn-cs"/>
+              </a:defRPr>
+            </a:lvl5pPr>
+            <a:lvl6pPr marL="2514600" indent="-228600" algn="l" defTabSz="914400" rtl="0" eaLnBrk="1" latinLnBrk="0" hangingPunct="1">
+              <a:lnSpc>
+                <a:spcPct val="90000"/>
+              </a:lnSpc>
+              <a:spcBef>
+                <a:spcPts val="500"/>
+              </a:spcBef>
+              <a:buFont typeface="Arial" panose="020B0604020202020204" pitchFamily="34" charset="0"/>
+              <a:buChar char="•"/>
+              <a:defRPr sz="1800" kern="1200">
+                <a:solidFill>
+                  <a:schemeClr val="tx1"/>
+                </a:solidFill>
+                <a:latin typeface="+mn-lt"/>
+                <a:ea typeface="+mn-ea"/>
+                <a:cs typeface="+mn-cs"/>
+              </a:defRPr>
+            </a:lvl6pPr>
+            <a:lvl7pPr marL="2971800" indent="-228600" algn="l" defTabSz="914400" rtl="0" eaLnBrk="1" latinLnBrk="0" hangingPunct="1">
+              <a:lnSpc>
+                <a:spcPct val="90000"/>
+              </a:lnSpc>
+              <a:spcBef>
+                <a:spcPts val="500"/>
+              </a:spcBef>
+              <a:buFont typeface="Arial" panose="020B0604020202020204" pitchFamily="34" charset="0"/>
+              <a:buChar char="•"/>
+              <a:defRPr sz="1800" kern="1200">
+                <a:solidFill>
+                  <a:schemeClr val="tx1"/>
+                </a:solidFill>
+                <a:latin typeface="+mn-lt"/>
+                <a:ea typeface="+mn-ea"/>
+                <a:cs typeface="+mn-cs"/>
+              </a:defRPr>
+            </a:lvl7pPr>
+            <a:lvl8pPr marL="3429000" indent="-228600" algn="l" defTabSz="914400" rtl="0" eaLnBrk="1" latinLnBrk="0" hangingPunct="1">
+              <a:lnSpc>
+                <a:spcPct val="90000"/>
+              </a:lnSpc>
+              <a:spcBef>
+                <a:spcPts val="500"/>
+              </a:spcBef>
+              <a:buFont typeface="Arial" panose="020B0604020202020204" pitchFamily="34" charset="0"/>
+              <a:buChar char="•"/>
+              <a:defRPr sz="1800" kern="1200">
+                <a:solidFill>
+                  <a:schemeClr val="tx1"/>
+                </a:solidFill>
+                <a:latin typeface="+mn-lt"/>
+                <a:ea typeface="+mn-ea"/>
+                <a:cs typeface="+mn-cs"/>
+              </a:defRPr>
+            </a:lvl8pPr>
+            <a:lvl9pPr marL="3886200" indent="-228600" algn="l" defTabSz="914400" rtl="0" eaLnBrk="1" latinLnBrk="0" hangingPunct="1">
+              <a:lnSpc>
+                <a:spcPct val="90000"/>
+              </a:lnSpc>
+              <a:spcBef>
+                <a:spcPts val="500"/>
+              </a:spcBef>
+              <a:buFont typeface="Arial" panose="020B0604020202020204" pitchFamily="34" charset="0"/>
+              <a:buChar char="•"/>
+              <a:defRPr sz="1800" kern="1200">
+                <a:solidFill>
+                  <a:schemeClr val="tx1"/>
+                </a:solidFill>
+                <a:latin typeface="+mn-lt"/>
+                <a:ea typeface="+mn-ea"/>
+                <a:cs typeface="+mn-cs"/>
+              </a:defRPr>
+            </a:lvl9pPr>
+          </a:lstStyle>
+          <a:p>
+            <a:pPr marL="0" indent="0">
+              <a:buFont typeface="Arial" panose="020B0604020202020204" pitchFamily="34" charset="0"/>
+              <a:buNone/>
+            </a:pPr>
+            <a:r>
+              <a:rPr lang="en-AU" sz="1800" b="1" dirty="0">
+                <a:latin typeface="Montserrat" panose="00000500000000000000" pitchFamily="2" charset="0"/>
+              </a:rPr>
+              <a:t>Progress to date</a:t>
+            </a:r>
+          </a:p>
+          <a:p>
+            <a:r>
+              <a:rPr lang="en-AU" sz="1800" dirty="0">
+                <a:latin typeface="Montserrat" panose="00000500000000000000" pitchFamily="2" charset="0"/>
+              </a:rPr>
+              <a:t>Data updated; data wrangling mostly complete</a:t>
+            </a:r>
+          </a:p>
+          <a:p>
+            <a:r>
+              <a:rPr lang="en-AU" sz="1800" dirty="0">
+                <a:latin typeface="Montserrat" panose="00000500000000000000" pitchFamily="2" charset="0"/>
+              </a:rPr>
+              <a:t>Data exploration underway</a:t>
+            </a:r>
+          </a:p>
+          <a:p>
+            <a:r>
+              <a:rPr lang="en-AU" sz="1800" dirty="0">
+                <a:latin typeface="Montserrat" panose="00000500000000000000" pitchFamily="2" charset="0"/>
+              </a:rPr>
+              <a:t>Code written for analysis; initial tests of analysis complete (runtime: approx. 10+ hours)</a:t>
+            </a:r>
+          </a:p>
+          <a:p>
+            <a:r>
+              <a:rPr lang="en-AU" sz="1800">
+                <a:latin typeface="Montserrat" panose="00000500000000000000" pitchFamily="2" charset="0"/>
+              </a:rPr>
+              <a:t>Repo: </a:t>
+            </a:r>
+            <a:r>
+              <a:rPr lang="en-AU" sz="1800">
+                <a:latin typeface="Montserrat" panose="00000500000000000000" pitchFamily="2" charset="0"/>
+                <a:hlinkClick r:id="rId2"/>
+              </a:rPr>
+              <a:t>https://github.com/talistebecis/reverse_eu_pol.git</a:t>
+            </a:r>
+            <a:endParaRPr lang="en-AU" sz="1800" dirty="0">
+              <a:latin typeface="Montserrat" panose="00000500000000000000" pitchFamily="2" charset="0"/>
+            </a:endParaRPr>
+          </a:p>
+        </p:txBody>
+      </p:sp>
     </p:spTree>
     <p:extLst>
       <p:ext uri="{BB962C8B-B14F-4D97-AF65-F5344CB8AC3E}">

--- a/reports and presentations/data exploration.pptx
+++ b/reports and presentations/data exploration.pptx
@@ -119,7 +119,7 @@
 <file path=ppt/revisionInfo.xml><?xml version="1.0" encoding="utf-8"?>
 <p1510:revInfo xmlns:a="http://schemas.openxmlformats.org/drawingml/2006/main" xmlns:r="http://schemas.openxmlformats.org/officeDocument/2006/relationships" xmlns:p1510="http://schemas.microsoft.com/office/powerpoint/2015/10/main">
   <p1510:revLst>
-    <p1510:client id="{C02603FF-FFD6-4CAE-BFFE-18D41DADF6AD}" v="14" dt="2023-11-10T01:16:13.634"/>
+    <p1510:client id="{C02603FF-FFD6-4CAE-BFFE-18D41DADF6AD}" v="17" dt="2023-11-10T01:23:39.440"/>
   </p1510:revLst>
 </p1510:revInfo>
 </file>
@@ -129,7 +129,7 @@
   <pc:docChgLst>
     <pc:chgData name="Talis Tebecis" userId="0b56c13e46b6a80f" providerId="LiveId" clId="{C02603FF-FFD6-4CAE-BFFE-18D41DADF6AD}"/>
     <pc:docChg chg="custSel addSld delSld modSld sldOrd">
-      <pc:chgData name="Talis Tebecis" userId="0b56c13e46b6a80f" providerId="LiveId" clId="{C02603FF-FFD6-4CAE-BFFE-18D41DADF6AD}" dt="2023-11-10T01:16:15.521" v="2100" actId="6549"/>
+      <pc:chgData name="Talis Tebecis" userId="0b56c13e46b6a80f" providerId="LiveId" clId="{C02603FF-FFD6-4CAE-BFFE-18D41DADF6AD}" dt="2023-11-10T01:26:12.081" v="2501" actId="14100"/>
       <pc:docMkLst>
         <pc:docMk/>
       </pc:docMkLst>
@@ -194,7 +194,7 @@
         </pc:sldMkLst>
       </pc:sldChg>
       <pc:sldChg chg="addSp delSp modSp add mod ord">
-        <pc:chgData name="Talis Tebecis" userId="0b56c13e46b6a80f" providerId="LiveId" clId="{C02603FF-FFD6-4CAE-BFFE-18D41DADF6AD}" dt="2023-11-10T01:16:15.521" v="2100" actId="6549"/>
+        <pc:chgData name="Talis Tebecis" userId="0b56c13e46b6a80f" providerId="LiveId" clId="{C02603FF-FFD6-4CAE-BFFE-18D41DADF6AD}" dt="2023-11-10T01:26:12.081" v="2501" actId="14100"/>
         <pc:sldMkLst>
           <pc:docMk/>
           <pc:sldMk cId="4076474008" sldId="259"/>
@@ -208,7 +208,7 @@
           </ac:spMkLst>
         </pc:spChg>
         <pc:spChg chg="add mod">
-          <ac:chgData name="Talis Tebecis" userId="0b56c13e46b6a80f" providerId="LiveId" clId="{C02603FF-FFD6-4CAE-BFFE-18D41DADF6AD}" dt="2023-11-10T01:01:36.829" v="1030" actId="14100"/>
+          <ac:chgData name="Talis Tebecis" userId="0b56c13e46b6a80f" providerId="LiveId" clId="{C02603FF-FFD6-4CAE-BFFE-18D41DADF6AD}" dt="2023-11-10T01:26:09.170" v="2500" actId="1036"/>
           <ac:spMkLst>
             <pc:docMk/>
             <pc:sldMk cId="4076474008" sldId="259"/>
@@ -216,15 +216,31 @@
           </ac:spMkLst>
         </pc:spChg>
         <pc:spChg chg="add mod">
-          <ac:chgData name="Talis Tebecis" userId="0b56c13e46b6a80f" providerId="LiveId" clId="{C02603FF-FFD6-4CAE-BFFE-18D41DADF6AD}" dt="2023-11-10T01:16:15.521" v="2100" actId="6549"/>
+          <ac:chgData name="Talis Tebecis" userId="0b56c13e46b6a80f" providerId="LiveId" clId="{C02603FF-FFD6-4CAE-BFFE-18D41DADF6AD}" dt="2023-11-10T01:26:12.081" v="2501" actId="14100"/>
           <ac:spMkLst>
             <pc:docMk/>
             <pc:sldMk cId="4076474008" sldId="259"/>
             <ac:spMk id="5" creationId="{95B3DEC7-D924-F709-C7AF-D414629BB325}"/>
           </ac:spMkLst>
         </pc:spChg>
+        <pc:spChg chg="add mod">
+          <ac:chgData name="Talis Tebecis" userId="0b56c13e46b6a80f" providerId="LiveId" clId="{C02603FF-FFD6-4CAE-BFFE-18D41DADF6AD}" dt="2023-11-10T01:23:31.204" v="2106" actId="571"/>
+          <ac:spMkLst>
+            <pc:docMk/>
+            <pc:sldMk cId="4076474008" sldId="259"/>
+            <ac:spMk id="6" creationId="{442648C2-06A6-3FED-FB93-B82A6A7F9E2D}"/>
+          </ac:spMkLst>
+        </pc:spChg>
+        <pc:spChg chg="add mod">
+          <ac:chgData name="Talis Tebecis" userId="0b56c13e46b6a80f" providerId="LiveId" clId="{C02603FF-FFD6-4CAE-BFFE-18D41DADF6AD}" dt="2023-11-10T01:25:52.886" v="2477" actId="27636"/>
+          <ac:spMkLst>
+            <pc:docMk/>
+            <pc:sldMk cId="4076474008" sldId="259"/>
+            <ac:spMk id="7" creationId="{E0427CBC-6CE0-88A4-F9A3-58B1A9DD87FD}"/>
+          </ac:spMkLst>
+        </pc:spChg>
         <pc:graphicFrameChg chg="add mod modGraphic">
-          <ac:chgData name="Talis Tebecis" userId="0b56c13e46b6a80f" providerId="LiveId" clId="{C02603FF-FFD6-4CAE-BFFE-18D41DADF6AD}" dt="2023-11-10T01:13:46.990" v="1765" actId="14100"/>
+          <ac:chgData name="Talis Tebecis" userId="0b56c13e46b6a80f" providerId="LiveId" clId="{C02603FF-FFD6-4CAE-BFFE-18D41DADF6AD}" dt="2023-11-10T01:26:09.170" v="2500" actId="1036"/>
           <ac:graphicFrameMkLst>
             <pc:docMk/>
             <pc:sldMk cId="4076474008" sldId="259"/>
@@ -3837,7 +3853,7 @@
         </p:nvSpPr>
         <p:spPr>
           <a:xfrm>
-            <a:off x="838200" y="828675"/>
+            <a:off x="838200" y="2065179"/>
             <a:ext cx="10515600" cy="476250"/>
           </a:xfrm>
         </p:spPr>
@@ -3877,14 +3893,14 @@
           <p:nvPr>
             <p:extLst>
               <p:ext uri="{D42A27DB-BD31-4B8C-83A1-F6EECF244321}">
-                <p14:modId xmlns:p14="http://schemas.microsoft.com/office/powerpoint/2010/main" val="692246533"/>
+                <p14:modId xmlns:p14="http://schemas.microsoft.com/office/powerpoint/2010/main" val="3016291555"/>
               </p:ext>
             </p:extLst>
           </p:nvPr>
         </p:nvGraphicFramePr>
         <p:xfrm>
-          <a:off x="838201" y="1304924"/>
-          <a:ext cx="10515597" cy="2686512"/>
+          <a:off x="838201" y="2471255"/>
+          <a:ext cx="10515597" cy="2011680"/>
         </p:xfrm>
         <a:graphic>
           <a:graphicData uri="http://schemas.openxmlformats.org/drawingml/2006/table">
@@ -3915,7 +3931,7 @@
                   </a:extLst>
                 </a:gridCol>
               </a:tblGrid>
-              <a:tr h="272815">
+              <a:tr h="151868">
                 <a:tc>
                   <a:txBody>
                     <a:bodyPr/>
@@ -3923,7 +3939,7 @@
                     <a:p>
                       <a:pPr algn="ctr"/>
                       <a:r>
-                        <a:rPr lang="en-AU" sz="1600" dirty="0">
+                        <a:rPr lang="en-AU" sz="1200" dirty="0">
                           <a:latin typeface="Montserrat" panose="00000500000000000000" pitchFamily="2" charset="0"/>
                         </a:rPr>
                         <a:t>Sample</a:t>
@@ -3939,7 +3955,7 @@
                     <a:p>
                       <a:pPr algn="ctr"/>
                       <a:r>
-                        <a:rPr lang="en-AU" sz="1600" dirty="0">
+                        <a:rPr lang="en-AU" sz="1200" dirty="0">
                           <a:latin typeface="Montserrat" panose="00000500000000000000" pitchFamily="2" charset="0"/>
                         </a:rPr>
                         <a:t>EDGAR 7.0 (original)</a:t>
@@ -3971,7 +3987,7 @@
                         <a:defRPr/>
                       </a:pPr>
                       <a:r>
-                        <a:rPr lang="en-AU" sz="1600" dirty="0">
+                        <a:rPr lang="en-AU" sz="1200" dirty="0">
                           <a:latin typeface="Montserrat" panose="00000500000000000000" pitchFamily="2" charset="0"/>
                         </a:rPr>
                         <a:t>EDGAR 8.0 (incl. biofuels &amp; new gases)</a:t>
@@ -3986,14 +4002,14 @@
                   </a:ext>
                 </a:extLst>
               </a:tr>
-              <a:tr h="272815">
+              <a:tr h="151868">
                 <a:tc>
                   <a:txBody>
                     <a:bodyPr/>
                     <a:lstStyle/>
                     <a:p>
                       <a:r>
-                        <a:rPr lang="en-AU" sz="1600" dirty="0">
+                        <a:rPr lang="en-AU" sz="1200" dirty="0">
                           <a:latin typeface="Montserrat" panose="00000500000000000000" pitchFamily="2" charset="0"/>
                         </a:rPr>
                         <a:t>EU15</a:t>
@@ -4008,7 +4024,7 @@
                     <a:lstStyle/>
                     <a:p>
                       <a:r>
-                        <a:rPr lang="en-AU" sz="1600" dirty="0">
+                        <a:rPr lang="en-AU" sz="1200" dirty="0">
                           <a:latin typeface="Montserrat" panose="00000500000000000000" pitchFamily="2" charset="0"/>
                         </a:rPr>
                         <a:t>Done</a:t>
@@ -4023,7 +4039,7 @@
                     <a:lstStyle/>
                     <a:p>
                       <a:r>
-                        <a:rPr lang="en-AU" sz="1600" dirty="0">
+                        <a:rPr lang="en-AU" sz="1200" dirty="0">
                           <a:latin typeface="Montserrat" panose="00000500000000000000" pitchFamily="2" charset="0"/>
                         </a:rPr>
                         <a:t>To do</a:t>
@@ -4038,14 +4054,14 @@
                   </a:ext>
                 </a:extLst>
               </a:tr>
-              <a:tr h="272815">
+              <a:tr h="151868">
                 <a:tc>
                   <a:txBody>
                     <a:bodyPr/>
                     <a:lstStyle/>
                     <a:p>
                       <a:r>
-                        <a:rPr lang="en-AU" sz="1600" dirty="0">
+                        <a:rPr lang="en-AU" sz="1200" dirty="0">
                           <a:latin typeface="Montserrat" panose="00000500000000000000" pitchFamily="2" charset="0"/>
                         </a:rPr>
                         <a:t>EU31</a:t>
@@ -4060,7 +4076,7 @@
                     <a:lstStyle/>
                     <a:p>
                       <a:r>
-                        <a:rPr lang="en-AU" sz="1600" dirty="0">
+                        <a:rPr lang="en-AU" sz="1200" dirty="0">
                           <a:latin typeface="Montserrat" panose="00000500000000000000" pitchFamily="2" charset="0"/>
                         </a:rPr>
                         <a:t>Done</a:t>
@@ -4075,7 +4091,7 @@
                     <a:lstStyle/>
                     <a:p>
                       <a:r>
-                        <a:rPr lang="en-AU" sz="1600" dirty="0">
+                        <a:rPr lang="en-AU" sz="1200" dirty="0">
                           <a:latin typeface="Montserrat" panose="00000500000000000000" pitchFamily="2" charset="0"/>
                         </a:rPr>
                         <a:t>To do</a:t>
@@ -4090,14 +4106,14 @@
                   </a:ext>
                 </a:extLst>
               </a:tr>
-              <a:tr h="272815">
+              <a:tr h="151868">
                 <a:tc>
                   <a:txBody>
                     <a:bodyPr/>
                     <a:lstStyle/>
                     <a:p>
                       <a:r>
-                        <a:rPr lang="en-AU" sz="1600" dirty="0">
+                        <a:rPr lang="en-AU" sz="1200" dirty="0">
                           <a:latin typeface="Montserrat" panose="00000500000000000000" pitchFamily="2" charset="0"/>
                         </a:rPr>
                         <a:t>OECD</a:t>
@@ -4112,7 +4128,7 @@
                     <a:lstStyle/>
                     <a:p>
                       <a:r>
-                        <a:rPr lang="en-AU" sz="1600" dirty="0">
+                        <a:rPr lang="en-AU" sz="1200" dirty="0">
                           <a:latin typeface="Montserrat" panose="00000500000000000000" pitchFamily="2" charset="0"/>
                         </a:rPr>
                         <a:t>Not done</a:t>
@@ -4127,7 +4143,7 @@
                     <a:lstStyle/>
                     <a:p>
                       <a:r>
-                        <a:rPr lang="en-AU" sz="1600" dirty="0">
+                        <a:rPr lang="en-AU" sz="1200" dirty="0">
                           <a:latin typeface="Montserrat" panose="00000500000000000000" pitchFamily="2" charset="0"/>
                         </a:rPr>
                         <a:t>To do</a:t>
@@ -4142,14 +4158,14 @@
                   </a:ext>
                 </a:extLst>
               </a:tr>
-              <a:tr h="672696">
+              <a:tr h="372416">
                 <a:tc>
                   <a:txBody>
                     <a:bodyPr/>
                     <a:lstStyle/>
                     <a:p>
                       <a:r>
-                        <a:rPr lang="en-AU" sz="1600" dirty="0">
+                        <a:rPr lang="en-AU" sz="1200" dirty="0">
                           <a:latin typeface="Montserrat" panose="00000500000000000000" pitchFamily="2" charset="0"/>
                         </a:rPr>
                         <a:t>OECD with EU15 pseudo-country</a:t>
@@ -4181,7 +4197,7 @@
                         <a:defRPr/>
                       </a:pPr>
                       <a:r>
-                        <a:rPr lang="en-AU" sz="1600" dirty="0">
+                        <a:rPr lang="en-AU" sz="1200" dirty="0">
                           <a:latin typeface="Montserrat" panose="00000500000000000000" pitchFamily="2" charset="0"/>
                         </a:rPr>
                         <a:t>Not done</a:t>
@@ -4196,7 +4212,7 @@
                     <a:lstStyle/>
                     <a:p>
                       <a:r>
-                        <a:rPr lang="en-AU" sz="1600" dirty="0">
+                        <a:rPr lang="en-AU" sz="1200" dirty="0">
                           <a:latin typeface="Montserrat" panose="00000500000000000000" pitchFamily="2" charset="0"/>
                         </a:rPr>
                         <a:t>To do</a:t>
@@ -4211,7 +4227,7 @@
                   </a:ext>
                 </a:extLst>
               </a:tr>
-              <a:tr h="672696">
+              <a:tr h="253114">
                 <a:tc>
                   <a:txBody>
                     <a:bodyPr/>
@@ -4235,7 +4251,7 @@
                         <a:defRPr/>
                       </a:pPr>
                       <a:r>
-                        <a:rPr lang="en-AU" sz="1600" dirty="0">
+                        <a:rPr lang="en-AU" sz="1200" dirty="0">
                           <a:latin typeface="Montserrat" panose="00000500000000000000" pitchFamily="2" charset="0"/>
                         </a:rPr>
                         <a:t>OECD with EU31 pseudo-country</a:t>
@@ -4267,7 +4283,7 @@
                         <a:defRPr/>
                       </a:pPr>
                       <a:r>
-                        <a:rPr lang="en-AU" sz="1600" dirty="0">
+                        <a:rPr lang="en-AU" sz="1200" dirty="0">
                           <a:latin typeface="Montserrat" panose="00000500000000000000" pitchFamily="2" charset="0"/>
                         </a:rPr>
                         <a:t>Not done</a:t>
@@ -4282,7 +4298,7 @@
                     <a:lstStyle/>
                     <a:p>
                       <a:r>
-                        <a:rPr lang="en-AU" sz="1600" dirty="0">
+                        <a:rPr lang="en-AU" sz="1200" dirty="0">
                           <a:latin typeface="Montserrat" panose="00000500000000000000" pitchFamily="2" charset="0"/>
                         </a:rPr>
                         <a:t>To do</a:t>
@@ -4317,8 +4333,8 @@
         </p:nvSpPr>
         <p:spPr>
           <a:xfrm>
-            <a:off x="838200" y="4215688"/>
-            <a:ext cx="10515600" cy="2007830"/>
+            <a:off x="838200" y="4696410"/>
+            <a:ext cx="10515600" cy="1816357"/>
           </a:xfrm>
           <a:prstGeom prst="rect">
             <a:avLst/>
@@ -4506,7 +4522,7 @@
           </a:p>
           <a:p>
             <a:r>
-              <a:rPr lang="en-AU" sz="1800" dirty="0">
+              <a:rPr lang="en-AU" sz="1400" dirty="0">
                 <a:latin typeface="Montserrat" panose="00000500000000000000" pitchFamily="2" charset="0"/>
               </a:rPr>
               <a:t>Data updated; data wrangling mostly complete</a:t>
@@ -4514,7 +4530,7 @@
           </a:p>
           <a:p>
             <a:r>
-              <a:rPr lang="en-AU" sz="1800" dirty="0">
+              <a:rPr lang="en-AU" sz="1400" dirty="0">
                 <a:latin typeface="Montserrat" panose="00000500000000000000" pitchFamily="2" charset="0"/>
               </a:rPr>
               <a:t>Data exploration underway</a:t>
@@ -4522,7 +4538,7 @@
           </a:p>
           <a:p>
             <a:r>
-              <a:rPr lang="en-AU" sz="1800" dirty="0">
+              <a:rPr lang="en-AU" sz="1400" dirty="0">
                 <a:latin typeface="Montserrat" panose="00000500000000000000" pitchFamily="2" charset="0"/>
               </a:rPr>
               <a:t>Code written for analysis; initial tests of analysis complete (runtime: approx. 10+ hours)</a:t>
@@ -4530,21 +4546,242 @@
           </a:p>
           <a:p>
             <a:r>
-              <a:rPr lang="en-AU" sz="1800">
+              <a:rPr lang="en-AU" sz="1400" dirty="0">
                 <a:latin typeface="Montserrat" panose="00000500000000000000" pitchFamily="2" charset="0"/>
               </a:rPr>
               <a:t>Repo: </a:t>
             </a:r>
             <a:r>
-              <a:rPr lang="en-AU" sz="1800">
+              <a:rPr lang="en-AU" sz="1400" dirty="0">
                 <a:latin typeface="Montserrat" panose="00000500000000000000" pitchFamily="2" charset="0"/>
                 <a:hlinkClick r:id="rId2"/>
               </a:rPr>
               <a:t>https://github.com/talistebecis/reverse_eu_pol.git</a:t>
             </a:r>
-            <a:endParaRPr lang="en-AU" sz="1800" dirty="0">
+            <a:endParaRPr lang="en-AU" sz="1400" dirty="0">
               <a:latin typeface="Montserrat" panose="00000500000000000000" pitchFamily="2" charset="0"/>
             </a:endParaRPr>
+          </a:p>
+        </p:txBody>
+      </p:sp>
+      <p:sp>
+        <p:nvSpPr>
+          <p:cNvPr id="7" name="Content Placeholder 2">
+            <a:extLst>
+              <a:ext uri="{FF2B5EF4-FFF2-40B4-BE49-F238E27FC236}">
+                <a16:creationId xmlns:a16="http://schemas.microsoft.com/office/drawing/2014/main" id="{E0427CBC-6CE0-88A4-F9A3-58B1A9DD87FD}"/>
+              </a:ext>
+            </a:extLst>
+          </p:cNvPr>
+          <p:cNvSpPr txBox="1">
+            <a:spLocks/>
+          </p:cNvSpPr>
+          <p:nvPr/>
+        </p:nvSpPr>
+        <p:spPr>
+          <a:xfrm>
+            <a:off x="838200" y="689104"/>
+            <a:ext cx="10515600" cy="1251430"/>
+          </a:xfrm>
+          <a:prstGeom prst="rect">
+            <a:avLst/>
+          </a:prstGeom>
+        </p:spPr>
+        <p:txBody>
+          <a:bodyPr vert="horz" lIns="91440" tIns="45720" rIns="91440" bIns="45720" rtlCol="0">
+            <a:normAutofit/>
+          </a:bodyPr>
+          <a:lstStyle>
+            <a:lvl1pPr marL="228600" indent="-228600" algn="l" defTabSz="914400" rtl="0" eaLnBrk="1" latinLnBrk="0" hangingPunct="1">
+              <a:lnSpc>
+                <a:spcPct val="90000"/>
+              </a:lnSpc>
+              <a:spcBef>
+                <a:spcPts val="1000"/>
+              </a:spcBef>
+              <a:buFont typeface="Arial" panose="020B0604020202020204" pitchFamily="34" charset="0"/>
+              <a:buChar char="•"/>
+              <a:defRPr sz="2800" kern="1200">
+                <a:solidFill>
+                  <a:schemeClr val="tx1"/>
+                </a:solidFill>
+                <a:latin typeface="+mn-lt"/>
+                <a:ea typeface="+mn-ea"/>
+                <a:cs typeface="+mn-cs"/>
+              </a:defRPr>
+            </a:lvl1pPr>
+            <a:lvl2pPr marL="685800" indent="-228600" algn="l" defTabSz="914400" rtl="0" eaLnBrk="1" latinLnBrk="0" hangingPunct="1">
+              <a:lnSpc>
+                <a:spcPct val="90000"/>
+              </a:lnSpc>
+              <a:spcBef>
+                <a:spcPts val="500"/>
+              </a:spcBef>
+              <a:buFont typeface="Arial" panose="020B0604020202020204" pitchFamily="34" charset="0"/>
+              <a:buChar char="•"/>
+              <a:defRPr sz="2400" kern="1200">
+                <a:solidFill>
+                  <a:schemeClr val="tx1"/>
+                </a:solidFill>
+                <a:latin typeface="+mn-lt"/>
+                <a:ea typeface="+mn-ea"/>
+                <a:cs typeface="+mn-cs"/>
+              </a:defRPr>
+            </a:lvl2pPr>
+            <a:lvl3pPr marL="1143000" indent="-228600" algn="l" defTabSz="914400" rtl="0" eaLnBrk="1" latinLnBrk="0" hangingPunct="1">
+              <a:lnSpc>
+                <a:spcPct val="90000"/>
+              </a:lnSpc>
+              <a:spcBef>
+                <a:spcPts val="500"/>
+              </a:spcBef>
+              <a:buFont typeface="Arial" panose="020B0604020202020204" pitchFamily="34" charset="0"/>
+              <a:buChar char="•"/>
+              <a:defRPr sz="2000" kern="1200">
+                <a:solidFill>
+                  <a:schemeClr val="tx1"/>
+                </a:solidFill>
+                <a:latin typeface="+mn-lt"/>
+                <a:ea typeface="+mn-ea"/>
+                <a:cs typeface="+mn-cs"/>
+              </a:defRPr>
+            </a:lvl3pPr>
+            <a:lvl4pPr marL="1600200" indent="-228600" algn="l" defTabSz="914400" rtl="0" eaLnBrk="1" latinLnBrk="0" hangingPunct="1">
+              <a:lnSpc>
+                <a:spcPct val="90000"/>
+              </a:lnSpc>
+              <a:spcBef>
+                <a:spcPts val="500"/>
+              </a:spcBef>
+              <a:buFont typeface="Arial" panose="020B0604020202020204" pitchFamily="34" charset="0"/>
+              <a:buChar char="•"/>
+              <a:defRPr sz="1800" kern="1200">
+                <a:solidFill>
+                  <a:schemeClr val="tx1"/>
+                </a:solidFill>
+                <a:latin typeface="+mn-lt"/>
+                <a:ea typeface="+mn-ea"/>
+                <a:cs typeface="+mn-cs"/>
+              </a:defRPr>
+            </a:lvl4pPr>
+            <a:lvl5pPr marL="2057400" indent="-228600" algn="l" defTabSz="914400" rtl="0" eaLnBrk="1" latinLnBrk="0" hangingPunct="1">
+              <a:lnSpc>
+                <a:spcPct val="90000"/>
+              </a:lnSpc>
+              <a:spcBef>
+                <a:spcPts val="500"/>
+              </a:spcBef>
+              <a:buFont typeface="Arial" panose="020B0604020202020204" pitchFamily="34" charset="0"/>
+              <a:buChar char="•"/>
+              <a:defRPr sz="1800" kern="1200">
+                <a:solidFill>
+                  <a:schemeClr val="tx1"/>
+                </a:solidFill>
+                <a:latin typeface="+mn-lt"/>
+                <a:ea typeface="+mn-ea"/>
+                <a:cs typeface="+mn-cs"/>
+              </a:defRPr>
+            </a:lvl5pPr>
+            <a:lvl6pPr marL="2514600" indent="-228600" algn="l" defTabSz="914400" rtl="0" eaLnBrk="1" latinLnBrk="0" hangingPunct="1">
+              <a:lnSpc>
+                <a:spcPct val="90000"/>
+              </a:lnSpc>
+              <a:spcBef>
+                <a:spcPts val="500"/>
+              </a:spcBef>
+              <a:buFont typeface="Arial" panose="020B0604020202020204" pitchFamily="34" charset="0"/>
+              <a:buChar char="•"/>
+              <a:defRPr sz="1800" kern="1200">
+                <a:solidFill>
+                  <a:schemeClr val="tx1"/>
+                </a:solidFill>
+                <a:latin typeface="+mn-lt"/>
+                <a:ea typeface="+mn-ea"/>
+                <a:cs typeface="+mn-cs"/>
+              </a:defRPr>
+            </a:lvl6pPr>
+            <a:lvl7pPr marL="2971800" indent="-228600" algn="l" defTabSz="914400" rtl="0" eaLnBrk="1" latinLnBrk="0" hangingPunct="1">
+              <a:lnSpc>
+                <a:spcPct val="90000"/>
+              </a:lnSpc>
+              <a:spcBef>
+                <a:spcPts val="500"/>
+              </a:spcBef>
+              <a:buFont typeface="Arial" panose="020B0604020202020204" pitchFamily="34" charset="0"/>
+              <a:buChar char="•"/>
+              <a:defRPr sz="1800" kern="1200">
+                <a:solidFill>
+                  <a:schemeClr val="tx1"/>
+                </a:solidFill>
+                <a:latin typeface="+mn-lt"/>
+                <a:ea typeface="+mn-ea"/>
+                <a:cs typeface="+mn-cs"/>
+              </a:defRPr>
+            </a:lvl7pPr>
+            <a:lvl8pPr marL="3429000" indent="-228600" algn="l" defTabSz="914400" rtl="0" eaLnBrk="1" latinLnBrk="0" hangingPunct="1">
+              <a:lnSpc>
+                <a:spcPct val="90000"/>
+              </a:lnSpc>
+              <a:spcBef>
+                <a:spcPts val="500"/>
+              </a:spcBef>
+              <a:buFont typeface="Arial" panose="020B0604020202020204" pitchFamily="34" charset="0"/>
+              <a:buChar char="•"/>
+              <a:defRPr sz="1800" kern="1200">
+                <a:solidFill>
+                  <a:schemeClr val="tx1"/>
+                </a:solidFill>
+                <a:latin typeface="+mn-lt"/>
+                <a:ea typeface="+mn-ea"/>
+                <a:cs typeface="+mn-cs"/>
+              </a:defRPr>
+            </a:lvl8pPr>
+            <a:lvl9pPr marL="3886200" indent="-228600" algn="l" defTabSz="914400" rtl="0" eaLnBrk="1" latinLnBrk="0" hangingPunct="1">
+              <a:lnSpc>
+                <a:spcPct val="90000"/>
+              </a:lnSpc>
+              <a:spcBef>
+                <a:spcPts val="500"/>
+              </a:spcBef>
+              <a:buFont typeface="Arial" panose="020B0604020202020204" pitchFamily="34" charset="0"/>
+              <a:buChar char="•"/>
+              <a:defRPr sz="1800" kern="1200">
+                <a:solidFill>
+                  <a:schemeClr val="tx1"/>
+                </a:solidFill>
+                <a:latin typeface="+mn-lt"/>
+                <a:ea typeface="+mn-ea"/>
+                <a:cs typeface="+mn-cs"/>
+              </a:defRPr>
+            </a:lvl9pPr>
+          </a:lstStyle>
+          <a:p>
+            <a:pPr marL="0" indent="0">
+              <a:buFont typeface="Arial" panose="020B0604020202020204" pitchFamily="34" charset="0"/>
+              <a:buNone/>
+            </a:pPr>
+            <a:r>
+              <a:rPr lang="en-AU" sz="1800" b="1" dirty="0">
+                <a:latin typeface="Montserrat" panose="00000500000000000000" pitchFamily="2" charset="0"/>
+              </a:rPr>
+              <a:t>Framing</a:t>
+            </a:r>
+          </a:p>
+          <a:p>
+            <a:r>
+              <a:rPr lang="en-AU" sz="1400" dirty="0">
+                <a:latin typeface="Montserrat" panose="00000500000000000000" pitchFamily="2" charset="0"/>
+              </a:rPr>
+              <a:t>Extension of Austria paper, evaluating both country-level policies (covered under ESR) and EU-wide policies (covered under ETS)</a:t>
+            </a:r>
+          </a:p>
+          <a:p>
+            <a:r>
+              <a:rPr lang="en-AU" sz="1400" dirty="0">
+                <a:latin typeface="Montserrat" panose="00000500000000000000" pitchFamily="2" charset="0"/>
+              </a:rPr>
+              <a:t>Robustness checks using EU15, EU31 and OECD</a:t>
+            </a:r>
           </a:p>
         </p:txBody>
       </p:sp>
